--- a/doc/laptop.pptx
+++ b/doc/laptop.pptx
@@ -270,7 +270,7 @@
             <a:fld id="{71BDBD2E-87EB-4496-B877-DF3861B7DA12}" type="datetimeFigureOut">
               <a:rPr lang="en-US" smtClean="0"/>
               <a:pPr/>
-              <a:t>12/8/2022</a:t>
+              <a:t>3/4/2023</a:t>
             </a:fld>
             <a:endParaRPr lang="en-US"/>
           </a:p>
@@ -1140,7 +1140,7 @@
             <a:fld id="{71BDBD2E-87EB-4496-B877-DF3861B7DA12}" type="datetimeFigureOut">
               <a:rPr lang="en-US" smtClean="0"/>
               <a:pPr/>
-              <a:t>12/8/2022</a:t>
+              <a:t>3/4/2023</a:t>
             </a:fld>
             <a:endParaRPr lang="en-US"/>
           </a:p>
@@ -1316,7 +1316,7 @@
             <a:fld id="{71BDBD2E-87EB-4496-B877-DF3861B7DA12}" type="datetimeFigureOut">
               <a:rPr lang="en-US" smtClean="0"/>
               <a:pPr/>
-              <a:t>12/8/2022</a:t>
+              <a:t>3/4/2023</a:t>
             </a:fld>
             <a:endParaRPr lang="en-US"/>
           </a:p>
@@ -1487,7 +1487,7 @@
             <a:fld id="{71BDBD2E-87EB-4496-B877-DF3861B7DA12}" type="datetimeFigureOut">
               <a:rPr lang="en-US" smtClean="0"/>
               <a:pPr/>
-              <a:t>12/8/2022</a:t>
+              <a:t>3/4/2023</a:t>
             </a:fld>
             <a:endParaRPr lang="en-US"/>
           </a:p>
@@ -1698,7 +1698,7 @@
             <a:fld id="{71BDBD2E-87EB-4496-B877-DF3861B7DA12}" type="datetimeFigureOut">
               <a:rPr lang="en-US" smtClean="0"/>
               <a:pPr/>
-              <a:t>12/8/2022</a:t>
+              <a:t>3/4/2023</a:t>
             </a:fld>
             <a:endParaRPr lang="en-US"/>
           </a:p>
@@ -2513,7 +2513,7 @@
             <a:fld id="{71BDBD2E-87EB-4496-B877-DF3861B7DA12}" type="datetimeFigureOut">
               <a:rPr lang="en-US" smtClean="0"/>
               <a:pPr/>
-              <a:t>12/8/2022</a:t>
+              <a:t>3/4/2023</a:t>
             </a:fld>
             <a:endParaRPr lang="en-US"/>
           </a:p>
@@ -2750,7 +2750,7 @@
             <a:fld id="{71BDBD2E-87EB-4496-B877-DF3861B7DA12}" type="datetimeFigureOut">
               <a:rPr lang="en-US" smtClean="0"/>
               <a:pPr/>
-              <a:t>12/8/2022</a:t>
+              <a:t>3/4/2023</a:t>
             </a:fld>
             <a:endParaRPr lang="en-US"/>
           </a:p>
@@ -3074,7 +3074,7 @@
             <a:fld id="{71BDBD2E-87EB-4496-B877-DF3861B7DA12}" type="datetimeFigureOut">
               <a:rPr lang="en-US" smtClean="0"/>
               <a:pPr/>
-              <a:t>12/8/2022</a:t>
+              <a:t>3/4/2023</a:t>
             </a:fld>
             <a:endParaRPr lang="en-US"/>
           </a:p>
@@ -3166,7 +3166,7 @@
             <a:fld id="{71BDBD2E-87EB-4496-B877-DF3861B7DA12}" type="datetimeFigureOut">
               <a:rPr lang="en-US" smtClean="0"/>
               <a:pPr/>
-              <a:t>12/8/2022</a:t>
+              <a:t>3/4/2023</a:t>
             </a:fld>
             <a:endParaRPr lang="en-US"/>
           </a:p>
@@ -3684,7 +3684,7 @@
             <a:fld id="{71BDBD2E-87EB-4496-B877-DF3861B7DA12}" type="datetimeFigureOut">
               <a:rPr lang="en-US" smtClean="0"/>
               <a:pPr/>
-              <a:t>12/8/2022</a:t>
+              <a:t>3/4/2023</a:t>
             </a:fld>
             <a:endParaRPr lang="en-US"/>
           </a:p>
@@ -4196,7 +4196,7 @@
             <a:fld id="{71BDBD2E-87EB-4496-B877-DF3861B7DA12}" type="datetimeFigureOut">
               <a:rPr lang="en-US" smtClean="0"/>
               <a:pPr/>
-              <a:t>12/8/2022</a:t>
+              <a:t>3/4/2023</a:t>
             </a:fld>
             <a:endParaRPr lang="en-US"/>
           </a:p>
@@ -4441,7 +4441,7 @@
             <a:fld id="{71BDBD2E-87EB-4496-B877-DF3861B7DA12}" type="datetimeFigureOut">
               <a:rPr lang="en-US" smtClean="0"/>
               <a:pPr/>
-              <a:t>12/8/2022</a:t>
+              <a:t>3/4/2023</a:t>
             </a:fld>
             <a:endParaRPr lang="en-US"/>
           </a:p>
@@ -7098,7 +7098,7 @@
               <a:buAutoNum type="arabicPeriod"/>
             </a:pPr>
             <a:r>
-              <a:rPr lang="en-US" i="0" dirty="0">
+              <a:rPr lang="en-US" b="1" i="0" dirty="0">
                 <a:effectLst/>
                 <a:latin typeface="Verdana" panose="020B0604030504040204" pitchFamily="34" charset="0"/>
               </a:rPr>
@@ -7121,11 +7121,21 @@
               <a:buAutoNum type="arabicPeriod"/>
             </a:pPr>
             <a:r>
-              <a:rPr lang="en-US" b="0" i="0" dirty="0">
+              <a:rPr lang="en-US" b="1" i="0" dirty="0">
                 <a:effectLst/>
                 <a:latin typeface="Verdana" panose="020B0604030504040204" pitchFamily="34" charset="0"/>
               </a:rPr>
               <a:t>My Booking</a:t>
+            </a:r>
+            <a:r>
+              <a:rPr lang="en-US" b="1" i="0" dirty="0">
+                <a:solidFill>
+                  <a:srgbClr val="A8A095"/>
+                </a:solidFill>
+                <a:effectLst/>
+                <a:latin typeface="Verdana" panose="020B0604030504040204" pitchFamily="34" charset="0"/>
+              </a:rPr>
+              <a:t>: </a:t>
             </a:r>
             <a:r>
               <a:rPr lang="en-US" b="0" i="0" dirty="0">
@@ -7135,7 +7145,7 @@
                 <a:effectLst/>
                 <a:latin typeface="Verdana" panose="020B0604030504040204" pitchFamily="34" charset="0"/>
               </a:rPr>
-              <a:t>: In this user can view the detail of the booking like the status of the booking, how much cost will be taken, and also take a print of the invoice.</a:t>
+              <a:t>In this user can view the detail of the booking like the status of the booking, how much cost will be taken, and also take a print of the invoice.</a:t>
             </a:r>
           </a:p>
           <a:p>
@@ -7161,6 +7171,16 @@
               <a:t>:</a:t>
             </a:r>
             <a:r>
+              <a:rPr lang="en-US" b="1" i="0" dirty="0">
+                <a:solidFill>
+                  <a:srgbClr val="A8A095"/>
+                </a:solidFill>
+                <a:effectLst/>
+                <a:latin typeface="Verdana" panose="020B0604030504040204" pitchFamily="34" charset="0"/>
+              </a:rPr>
+              <a:t> </a:t>
+            </a:r>
+            <a:r>
               <a:rPr lang="en-US" b="0" i="0" dirty="0">
                 <a:solidFill>
                   <a:srgbClr val="A8A095"/>
@@ -7168,7 +7188,7 @@
                 <a:effectLst/>
                 <a:latin typeface="Verdana" panose="020B0604030504040204" pitchFamily="34" charset="0"/>
               </a:rPr>
-              <a:t> The user can update his/her profile, change the password and recover the password.</a:t>
+              <a:t>The user can update his/her profile, change the password and recover the password.</a:t>
             </a:r>
           </a:p>
         </p:txBody>
